--- a/Daily Agendas/Day04.2_BasicCircuitAnalysis.pptx
+++ b/Daily Agendas/Day04.2_BasicCircuitAnalysis.pptx
@@ -303,7 +303,7 @@
             <a:fld id="{1D8BD707-D9CF-40AE-B4C6-C98DA3205C09}" type="datetimeFigureOut">
               <a:rPr lang="en-US" smtClean="0"/>
               <a:pPr/>
-              <a:t>2/23/2020</a:t>
+              <a:t>2/25/2020</a:t>
             </a:fld>
             <a:endParaRPr lang="en-US"/>
           </a:p>
@@ -468,7 +468,7 @@
             <a:fld id="{1D8BD707-D9CF-40AE-B4C6-C98DA3205C09}" type="datetimeFigureOut">
               <a:rPr lang="en-US" smtClean="0"/>
               <a:pPr/>
-              <a:t>2/23/2020</a:t>
+              <a:t>2/25/2020</a:t>
             </a:fld>
             <a:endParaRPr lang="en-US"/>
           </a:p>
@@ -643,7 +643,7 @@
             <a:fld id="{1D8BD707-D9CF-40AE-B4C6-C98DA3205C09}" type="datetimeFigureOut">
               <a:rPr lang="en-US" smtClean="0"/>
               <a:pPr/>
-              <a:t>2/23/2020</a:t>
+              <a:t>2/25/2020</a:t>
             </a:fld>
             <a:endParaRPr lang="en-US"/>
           </a:p>
@@ -808,7 +808,7 @@
             <a:fld id="{1D8BD707-D9CF-40AE-B4C6-C98DA3205C09}" type="datetimeFigureOut">
               <a:rPr lang="en-US" smtClean="0"/>
               <a:pPr/>
-              <a:t>2/23/2020</a:t>
+              <a:t>2/25/2020</a:t>
             </a:fld>
             <a:endParaRPr lang="en-US"/>
           </a:p>
@@ -1050,7 +1050,7 @@
             <a:fld id="{1D8BD707-D9CF-40AE-B4C6-C98DA3205C09}" type="datetimeFigureOut">
               <a:rPr lang="en-US" smtClean="0"/>
               <a:pPr/>
-              <a:t>2/23/2020</a:t>
+              <a:t>2/25/2020</a:t>
             </a:fld>
             <a:endParaRPr lang="en-US"/>
           </a:p>
@@ -1332,7 +1332,7 @@
             <a:fld id="{1D8BD707-D9CF-40AE-B4C6-C98DA3205C09}" type="datetimeFigureOut">
               <a:rPr lang="en-US" smtClean="0"/>
               <a:pPr/>
-              <a:t>2/23/2020</a:t>
+              <a:t>2/25/2020</a:t>
             </a:fld>
             <a:endParaRPr lang="en-US"/>
           </a:p>
@@ -1748,7 +1748,7 @@
             <a:fld id="{1D8BD707-D9CF-40AE-B4C6-C98DA3205C09}" type="datetimeFigureOut">
               <a:rPr lang="en-US" smtClean="0"/>
               <a:pPr/>
-              <a:t>2/23/2020</a:t>
+              <a:t>2/25/2020</a:t>
             </a:fld>
             <a:endParaRPr lang="en-US"/>
           </a:p>
@@ -1862,7 +1862,7 @@
             <a:fld id="{1D8BD707-D9CF-40AE-B4C6-C98DA3205C09}" type="datetimeFigureOut">
               <a:rPr lang="en-US" smtClean="0"/>
               <a:pPr/>
-              <a:t>2/23/2020</a:t>
+              <a:t>2/25/2020</a:t>
             </a:fld>
             <a:endParaRPr lang="en-US"/>
           </a:p>
@@ -1954,7 +1954,7 @@
             <a:fld id="{1D8BD707-D9CF-40AE-B4C6-C98DA3205C09}" type="datetimeFigureOut">
               <a:rPr lang="en-US" smtClean="0"/>
               <a:pPr/>
-              <a:t>2/23/2020</a:t>
+              <a:t>2/25/2020</a:t>
             </a:fld>
             <a:endParaRPr lang="en-US"/>
           </a:p>
@@ -2226,7 +2226,7 @@
             <a:fld id="{1D8BD707-D9CF-40AE-B4C6-C98DA3205C09}" type="datetimeFigureOut">
               <a:rPr lang="en-US" smtClean="0"/>
               <a:pPr/>
-              <a:t>2/23/2020</a:t>
+              <a:t>2/25/2020</a:t>
             </a:fld>
             <a:endParaRPr lang="en-US"/>
           </a:p>
@@ -2475,7 +2475,7 @@
             <a:fld id="{1D8BD707-D9CF-40AE-B4C6-C98DA3205C09}" type="datetimeFigureOut">
               <a:rPr lang="en-US" smtClean="0"/>
               <a:pPr/>
-              <a:t>2/23/2020</a:t>
+              <a:t>2/25/2020</a:t>
             </a:fld>
             <a:endParaRPr lang="en-US"/>
           </a:p>
@@ -2683,7 +2683,7 @@
             <a:fld id="{1D8BD707-D9CF-40AE-B4C6-C98DA3205C09}" type="datetimeFigureOut">
               <a:rPr lang="en-US" smtClean="0"/>
               <a:pPr/>
-              <a:t>2/23/2020</a:t>
+              <a:t>2/25/2020</a:t>
             </a:fld>
             <a:endParaRPr lang="en-US"/>
           </a:p>
@@ -3098,7 +3098,7 @@
         <p:spPr/>
         <p:txBody>
           <a:bodyPr>
-            <a:normAutofit/>
+            <a:normAutofit lnSpcReduction="10000"/>
           </a:bodyPr>
           <a:lstStyle/>
           <a:p>
@@ -3139,13 +3139,32 @@
             <a:pPr lvl="2"/>
             <a:r>
               <a:rPr lang="en-CA" sz="2200" dirty="0"/>
-              <a:t>Practice: Basic Circuit </a:t>
-            </a:r>
-            <a:r>
-              <a:rPr lang="en-CA" sz="2200"/>
-              <a:t>Analysis Worksheet</a:t>
-            </a:r>
-            <a:endParaRPr lang="en-CA" sz="2200" dirty="0"/>
+              <a:t>Practice: </a:t>
+            </a:r>
+            <a:r>
+              <a:rPr lang="en-CA" sz="2200" dirty="0" smtClean="0"/>
+              <a:t>Mixed </a:t>
+            </a:r>
+            <a:r>
+              <a:rPr lang="en-CA" sz="2200" smtClean="0"/>
+              <a:t>Circuit </a:t>
+            </a:r>
+            <a:r>
+              <a:rPr lang="en-CA" sz="2200" smtClean="0"/>
+              <a:t>Warm-up</a:t>
+            </a:r>
+            <a:endParaRPr lang="en-CA" sz="2200" dirty="0" smtClean="0"/>
+          </a:p>
+          <a:p>
+            <a:pPr lvl="2"/>
+            <a:r>
+              <a:rPr lang="en-CA" sz="2200" dirty="0" smtClean="0"/>
+              <a:t>HW: Basic </a:t>
+            </a:r>
+            <a:r>
+              <a:rPr lang="en-CA" sz="2200" dirty="0"/>
+              <a:t>Circuit Analysis Worksheet</a:t>
+            </a:r>
           </a:p>
           <a:p>
             <a:pPr lvl="1">
